--- a/Manuscript_TIFS/figures/Figure_FLPhish.pptx
+++ b/Manuscript_TIFS/figures/Figure_FLPhish.pptx
@@ -241,7 +241,7 @@
           <a:p>
             <a:fld id="{D997B5FA-0921-464F-AAE1-844C04324D75}" type="datetimeFigureOut">
               <a:rPr lang="zh-CN" altLang="en-US" smtClean="0"/>
-              <a:t>2022-01-24</a:t>
+              <a:t>2022-02-25</a:t>
             </a:fld>
             <a:endParaRPr lang="zh-CN" altLang="en-US"/>
           </a:p>
@@ -404,7 +404,7 @@
           <a:p>
             <a:fld id="{D997B5FA-0921-464F-AAE1-844C04324D75}" type="datetimeFigureOut">
               <a:rPr lang="zh-CN" altLang="en-US" smtClean="0"/>
-              <a:t>2022-01-24</a:t>
+              <a:t>2022-02-25</a:t>
             </a:fld>
             <a:endParaRPr lang="zh-CN" altLang="en-US"/>
           </a:p>
@@ -577,7 +577,7 @@
           <a:p>
             <a:fld id="{D997B5FA-0921-464F-AAE1-844C04324D75}" type="datetimeFigureOut">
               <a:rPr lang="zh-CN" altLang="en-US" smtClean="0"/>
-              <a:t>2022-01-24</a:t>
+              <a:t>2022-02-25</a:t>
             </a:fld>
             <a:endParaRPr lang="zh-CN" altLang="en-US"/>
           </a:p>
@@ -740,7 +740,7 @@
           <a:p>
             <a:fld id="{D997B5FA-0921-464F-AAE1-844C04324D75}" type="datetimeFigureOut">
               <a:rPr lang="zh-CN" altLang="en-US" smtClean="0"/>
-              <a:t>2022-01-24</a:t>
+              <a:t>2022-02-25</a:t>
             </a:fld>
             <a:endParaRPr lang="zh-CN" altLang="en-US"/>
           </a:p>
@@ -980,7 +980,7 @@
           <a:p>
             <a:fld id="{D997B5FA-0921-464F-AAE1-844C04324D75}" type="datetimeFigureOut">
               <a:rPr lang="zh-CN" altLang="en-US" smtClean="0"/>
-              <a:t>2022-01-24</a:t>
+              <a:t>2022-02-25</a:t>
             </a:fld>
             <a:endParaRPr lang="zh-CN" altLang="en-US"/>
           </a:p>
@@ -1204,7 +1204,7 @@
           <a:p>
             <a:fld id="{D997B5FA-0921-464F-AAE1-844C04324D75}" type="datetimeFigureOut">
               <a:rPr lang="zh-CN" altLang="en-US" smtClean="0"/>
-              <a:t>2022-01-24</a:t>
+              <a:t>2022-02-25</a:t>
             </a:fld>
             <a:endParaRPr lang="zh-CN" altLang="en-US"/>
           </a:p>
@@ -1563,7 +1563,7 @@
           <a:p>
             <a:fld id="{D997B5FA-0921-464F-AAE1-844C04324D75}" type="datetimeFigureOut">
               <a:rPr lang="zh-CN" altLang="en-US" smtClean="0"/>
-              <a:t>2022-01-24</a:t>
+              <a:t>2022-02-25</a:t>
             </a:fld>
             <a:endParaRPr lang="zh-CN" altLang="en-US"/>
           </a:p>
@@ -1675,7 +1675,7 @@
           <a:p>
             <a:fld id="{D997B5FA-0921-464F-AAE1-844C04324D75}" type="datetimeFigureOut">
               <a:rPr lang="zh-CN" altLang="en-US" smtClean="0"/>
-              <a:t>2022-01-24</a:t>
+              <a:t>2022-02-25</a:t>
             </a:fld>
             <a:endParaRPr lang="zh-CN" altLang="en-US"/>
           </a:p>
@@ -1765,7 +1765,7 @@
           <a:p>
             <a:fld id="{D997B5FA-0921-464F-AAE1-844C04324D75}" type="datetimeFigureOut">
               <a:rPr lang="zh-CN" altLang="en-US" smtClean="0"/>
-              <a:t>2022-01-24</a:t>
+              <a:t>2022-02-25</a:t>
             </a:fld>
             <a:endParaRPr lang="zh-CN" altLang="en-US"/>
           </a:p>
@@ -2035,7 +2035,7 @@
           <a:p>
             <a:fld id="{D997B5FA-0921-464F-AAE1-844C04324D75}" type="datetimeFigureOut">
               <a:rPr lang="zh-CN" altLang="en-US" smtClean="0"/>
-              <a:t>2022-01-24</a:t>
+              <a:t>2022-02-25</a:t>
             </a:fld>
             <a:endParaRPr lang="zh-CN" altLang="en-US"/>
           </a:p>
@@ -2282,7 +2282,7 @@
           <a:p>
             <a:fld id="{D997B5FA-0921-464F-AAE1-844C04324D75}" type="datetimeFigureOut">
               <a:rPr lang="zh-CN" altLang="en-US" smtClean="0"/>
-              <a:t>2022-01-24</a:t>
+              <a:t>2022-02-25</a:t>
             </a:fld>
             <a:endParaRPr lang="zh-CN" altLang="en-US"/>
           </a:p>
@@ -2488,7 +2488,7 @@
           <a:p>
             <a:fld id="{D997B5FA-0921-464F-AAE1-844C04324D75}" type="datetimeFigureOut">
               <a:rPr lang="zh-CN" altLang="en-US" smtClean="0"/>
-              <a:t>2022-01-24</a:t>
+              <a:t>2022-02-25</a:t>
             </a:fld>
             <a:endParaRPr lang="zh-CN" altLang="en-US"/>
           </a:p>
@@ -11113,13 +11113,18 @@
           <a:p>
             <a:pPr algn="ctr"/>
             <a:r>
-              <a:rPr lang="en-US" altLang="zh-CN" sz="1200" b="1" i="1" dirty="0">
+              <a:rPr lang="en-US" altLang="zh-CN" sz="1200" b="1" i="1">
                 <a:solidFill>
                   <a:srgbClr val="FF0000"/>
                 </a:solidFill>
               </a:rPr>
-              <a:t>Byzantine Client</a:t>
+              <a:t>Byzantine Attacker</a:t>
             </a:r>
+            <a:endParaRPr lang="en-US" altLang="zh-CN" sz="1200" b="1" i="1" dirty="0">
+              <a:solidFill>
+                <a:srgbClr val="FF0000"/>
+              </a:solidFill>
+            </a:endParaRPr>
           </a:p>
         </p:txBody>
       </p:sp>
@@ -11153,13 +11158,18 @@
           <a:p>
             <a:pPr algn="ctr"/>
             <a:r>
-              <a:rPr lang="en-US" altLang="zh-CN" sz="1200" b="1" i="1" dirty="0">
+              <a:rPr lang="en-US" altLang="zh-CN" sz="1200" b="1" i="1">
                 <a:solidFill>
                   <a:schemeClr val="accent1"/>
                 </a:solidFill>
               </a:rPr>
-              <a:t>Central Server</a:t>
+              <a:t>FL Server</a:t>
             </a:r>
+            <a:endParaRPr lang="en-US" altLang="zh-CN" sz="1200" b="1" i="1" dirty="0">
+              <a:solidFill>
+                <a:schemeClr val="accent1"/>
+              </a:solidFill>
+            </a:endParaRPr>
           </a:p>
         </p:txBody>
       </p:sp>

--- a/Manuscript_TIFS/figures/Figure_FLPhish.pptx
+++ b/Manuscript_TIFS/figures/Figure_FLPhish.pptx
@@ -241,7 +241,7 @@
           <a:p>
             <a:fld id="{D997B5FA-0921-464F-AAE1-844C04324D75}" type="datetimeFigureOut">
               <a:rPr lang="zh-CN" altLang="en-US" smtClean="0"/>
-              <a:t>2022-02-25</a:t>
+              <a:t>2022-03-01</a:t>
             </a:fld>
             <a:endParaRPr lang="zh-CN" altLang="en-US"/>
           </a:p>
@@ -404,7 +404,7 @@
           <a:p>
             <a:fld id="{D997B5FA-0921-464F-AAE1-844C04324D75}" type="datetimeFigureOut">
               <a:rPr lang="zh-CN" altLang="en-US" smtClean="0"/>
-              <a:t>2022-02-25</a:t>
+              <a:t>2022-03-01</a:t>
             </a:fld>
             <a:endParaRPr lang="zh-CN" altLang="en-US"/>
           </a:p>
@@ -577,7 +577,7 @@
           <a:p>
             <a:fld id="{D997B5FA-0921-464F-AAE1-844C04324D75}" type="datetimeFigureOut">
               <a:rPr lang="zh-CN" altLang="en-US" smtClean="0"/>
-              <a:t>2022-02-25</a:t>
+              <a:t>2022-03-01</a:t>
             </a:fld>
             <a:endParaRPr lang="zh-CN" altLang="en-US"/>
           </a:p>
@@ -740,7 +740,7 @@
           <a:p>
             <a:fld id="{D997B5FA-0921-464F-AAE1-844C04324D75}" type="datetimeFigureOut">
               <a:rPr lang="zh-CN" altLang="en-US" smtClean="0"/>
-              <a:t>2022-02-25</a:t>
+              <a:t>2022-03-01</a:t>
             </a:fld>
             <a:endParaRPr lang="zh-CN" altLang="en-US"/>
           </a:p>
@@ -980,7 +980,7 @@
           <a:p>
             <a:fld id="{D997B5FA-0921-464F-AAE1-844C04324D75}" type="datetimeFigureOut">
               <a:rPr lang="zh-CN" altLang="en-US" smtClean="0"/>
-              <a:t>2022-02-25</a:t>
+              <a:t>2022-03-01</a:t>
             </a:fld>
             <a:endParaRPr lang="zh-CN" altLang="en-US"/>
           </a:p>
@@ -1204,7 +1204,7 @@
           <a:p>
             <a:fld id="{D997B5FA-0921-464F-AAE1-844C04324D75}" type="datetimeFigureOut">
               <a:rPr lang="zh-CN" altLang="en-US" smtClean="0"/>
-              <a:t>2022-02-25</a:t>
+              <a:t>2022-03-01</a:t>
             </a:fld>
             <a:endParaRPr lang="zh-CN" altLang="en-US"/>
           </a:p>
@@ -1563,7 +1563,7 @@
           <a:p>
             <a:fld id="{D997B5FA-0921-464F-AAE1-844C04324D75}" type="datetimeFigureOut">
               <a:rPr lang="zh-CN" altLang="en-US" smtClean="0"/>
-              <a:t>2022-02-25</a:t>
+              <a:t>2022-03-01</a:t>
             </a:fld>
             <a:endParaRPr lang="zh-CN" altLang="en-US"/>
           </a:p>
@@ -1675,7 +1675,7 @@
           <a:p>
             <a:fld id="{D997B5FA-0921-464F-AAE1-844C04324D75}" type="datetimeFigureOut">
               <a:rPr lang="zh-CN" altLang="en-US" smtClean="0"/>
-              <a:t>2022-02-25</a:t>
+              <a:t>2022-03-01</a:t>
             </a:fld>
             <a:endParaRPr lang="zh-CN" altLang="en-US"/>
           </a:p>
@@ -1765,7 +1765,7 @@
           <a:p>
             <a:fld id="{D997B5FA-0921-464F-AAE1-844C04324D75}" type="datetimeFigureOut">
               <a:rPr lang="zh-CN" altLang="en-US" smtClean="0"/>
-              <a:t>2022-02-25</a:t>
+              <a:t>2022-03-01</a:t>
             </a:fld>
             <a:endParaRPr lang="zh-CN" altLang="en-US"/>
           </a:p>
@@ -2035,7 +2035,7 @@
           <a:p>
             <a:fld id="{D997B5FA-0921-464F-AAE1-844C04324D75}" type="datetimeFigureOut">
               <a:rPr lang="zh-CN" altLang="en-US" smtClean="0"/>
-              <a:t>2022-02-25</a:t>
+              <a:t>2022-03-01</a:t>
             </a:fld>
             <a:endParaRPr lang="zh-CN" altLang="en-US"/>
           </a:p>
@@ -2282,7 +2282,7 @@
           <a:p>
             <a:fld id="{D997B5FA-0921-464F-AAE1-844C04324D75}" type="datetimeFigureOut">
               <a:rPr lang="zh-CN" altLang="en-US" smtClean="0"/>
-              <a:t>2022-02-25</a:t>
+              <a:t>2022-03-01</a:t>
             </a:fld>
             <a:endParaRPr lang="zh-CN" altLang="en-US"/>
           </a:p>
@@ -2488,7 +2488,7 @@
           <a:p>
             <a:fld id="{D997B5FA-0921-464F-AAE1-844C04324D75}" type="datetimeFigureOut">
               <a:rPr lang="zh-CN" altLang="en-US" smtClean="0"/>
-              <a:t>2022-02-25</a:t>
+              <a:t>2022-03-01</a:t>
             </a:fld>
             <a:endParaRPr lang="zh-CN" altLang="en-US"/>
           </a:p>
@@ -2902,7 +2902,7 @@
         </p:nvGrpSpPr>
         <p:grpSpPr>
           <a:xfrm>
-            <a:off x="2396281" y="4582407"/>
+            <a:off x="2396281" y="4547571"/>
             <a:ext cx="576000" cy="576000"/>
             <a:chOff x="1465798" y="5031042"/>
             <a:chExt cx="576000" cy="576000"/>
@@ -2963,8 +2963,8 @@
           </p:blipFill>
           <p:spPr>
             <a:xfrm>
-              <a:off x="1719081" y="5284250"/>
-              <a:ext cx="288000" cy="288000"/>
+              <a:off x="1741941" y="5322350"/>
+              <a:ext cx="252000" cy="252000"/>
             </a:xfrm>
             <a:prstGeom prst="rect">
               <a:avLst/>
@@ -2986,10 +2986,10 @@
         </p:nvGrpSpPr>
         <p:grpSpPr>
           <a:xfrm>
-            <a:off x="2396281" y="1699593"/>
-            <a:ext cx="1787246" cy="433081"/>
-            <a:chOff x="1416121" y="1139683"/>
-            <a:chExt cx="1787246" cy="433081"/>
+            <a:off x="2396281" y="1743620"/>
+            <a:ext cx="1787246" cy="404086"/>
+            <a:chOff x="1416121" y="1139681"/>
+            <a:chExt cx="1787246" cy="404086"/>
           </a:xfrm>
         </p:grpSpPr>
         <p:grpSp>
@@ -3000,10 +3000,10 @@
           </p:nvGrpSpPr>
           <p:grpSpPr>
             <a:xfrm>
-              <a:off x="1416121" y="1139683"/>
-              <a:ext cx="1787246" cy="433081"/>
+              <a:off x="1416121" y="1139681"/>
+              <a:ext cx="1787246" cy="404086"/>
               <a:chOff x="3862" y="9853"/>
-              <a:chExt cx="2350" cy="941"/>
+              <a:chExt cx="2350" cy="878"/>
             </a:xfrm>
           </p:grpSpPr>
           <p:sp>
@@ -3050,7 +3050,7 @@
               <a:lstStyle/>
               <a:p>
                 <a:pPr algn="ctr"/>
-                <a:endParaRPr lang="zh-CN" altLang="en-US" sz="900"/>
+                <a:endParaRPr lang="zh-CN" altLang="en-US" sz="1000"/>
               </a:p>
             </p:txBody>
           </p:sp>
@@ -3063,7 +3063,7 @@
             <p:spPr>
               <a:xfrm>
                 <a:off x="3862" y="9858"/>
-                <a:ext cx="1764" cy="936"/>
+                <a:ext cx="1764" cy="869"/>
               </a:xfrm>
               <a:prstGeom prst="rect">
                 <a:avLst/>
@@ -3081,13 +3081,13 @@
               <a:lstStyle/>
               <a:p>
                 <a:r>
-                  <a:rPr lang="en-US" altLang="zh-CN" sz="1100" b="1" dirty="0"/>
+                  <a:rPr lang="en-US" altLang="zh-CN" sz="1000" b="1" dirty="0"/>
                   <a:t>Data Transmission</a:t>
                 </a:r>
               </a:p>
               <a:p>
                 <a:r>
-                  <a:rPr lang="en-US" altLang="zh-CN" sz="1100" b="1" dirty="0"/>
+                  <a:rPr lang="en-US" altLang="zh-CN" sz="1000" b="1" dirty="0"/>
                   <a:t>Labels Transmission</a:t>
                 </a:r>
               </a:p>
@@ -3110,7 +3110,7 @@
           </p:nvCxnSpPr>
           <p:spPr>
             <a:xfrm>
-              <a:off x="2729937" y="1448130"/>
+              <a:off x="2729937" y="1430712"/>
               <a:ext cx="360000" cy="0"/>
             </a:xfrm>
             <a:prstGeom prst="straightConnector1">
@@ -3155,7 +3155,7 @@
           </p:nvCxnSpPr>
           <p:spPr>
             <a:xfrm>
-              <a:off x="2735122" y="1282982"/>
+              <a:off x="2735122" y="1274273"/>
               <a:ext cx="360000" cy="0"/>
             </a:xfrm>
             <a:prstGeom prst="straightConnector1">
@@ -3199,7 +3199,7 @@
         </p:nvGrpSpPr>
         <p:grpSpPr>
           <a:xfrm>
-            <a:off x="3985669" y="3394863"/>
+            <a:off x="3985669" y="3360027"/>
             <a:ext cx="540000" cy="540000"/>
             <a:chOff x="7679563" y="1172136"/>
             <a:chExt cx="976750" cy="986490"/>
@@ -4697,7 +4697,7 @@
         </p:blipFill>
         <p:spPr>
           <a:xfrm>
-            <a:off x="2318758" y="4003959"/>
+            <a:off x="2318758" y="4011579"/>
             <a:ext cx="720000" cy="720000"/>
           </a:xfrm>
           <a:prstGeom prst="rect">
@@ -4719,10 +4719,10 @@
         </p:nvGrpSpPr>
         <p:grpSpPr>
           <a:xfrm>
-            <a:off x="3985669" y="4598465"/>
-            <a:ext cx="603839" cy="540000"/>
+            <a:off x="3985669" y="4563629"/>
+            <a:ext cx="560659" cy="540000"/>
             <a:chOff x="2352806" y="5032250"/>
-            <a:chExt cx="603839" cy="540000"/>
+            <a:chExt cx="560659" cy="540000"/>
           </a:xfrm>
         </p:grpSpPr>
         <p:grpSp>
@@ -6198,8 +6198,8 @@
           </p:blipFill>
           <p:spPr>
             <a:xfrm>
-              <a:off x="2668645" y="5273072"/>
-              <a:ext cx="288000" cy="288000"/>
+              <a:off x="2661465" y="5304253"/>
+              <a:ext cx="252000" cy="252000"/>
             </a:xfrm>
             <a:prstGeom prst="rect">
               <a:avLst/>
@@ -6250,10 +6250,10 @@
           <a:p>
             <a:pPr algn="ctr"/>
             <a:r>
-              <a:rPr lang="en-US" altLang="zh-CN" sz="1200" b="1" i="1" dirty="0"/>
+              <a:rPr lang="en-US" altLang="zh-CN" sz="1000" b="1" i="1" dirty="0"/>
               <a:t>Public dataset</a:t>
             </a:r>
-            <a:endParaRPr lang="zh-CN" altLang="en-US" sz="1200" b="1" i="1" dirty="0"/>
+            <a:endParaRPr lang="zh-CN" altLang="en-US" sz="1000" b="1" i="1" dirty="0"/>
           </a:p>
         </p:txBody>
       </p:sp>
@@ -6325,10 +6325,10 @@
             <a:p>
               <a:pPr algn="ctr"/>
               <a:r>
-                <a:rPr lang="en-US" altLang="zh-CN" sz="1200" b="1" i="1" dirty="0"/>
+                <a:rPr lang="en-US" altLang="zh-CN" sz="1000" b="1" i="1" dirty="0"/>
                 <a:t>Labeled dataset</a:t>
               </a:r>
-              <a:endParaRPr lang="zh-CN" altLang="en-US" sz="1200" b="1" i="1" dirty="0"/>
+              <a:endParaRPr lang="zh-CN" altLang="en-US" sz="1000" b="1" i="1" dirty="0"/>
             </a:p>
           </p:txBody>
         </p:sp>
@@ -6380,10 +6380,10 @@
             <a:p>
               <a:pPr algn="ctr"/>
               <a:r>
-                <a:rPr lang="en-US" altLang="zh-CN" sz="1200" b="1" i="1" dirty="0"/>
+                <a:rPr lang="en-US" altLang="zh-CN" sz="1000" b="1" i="1" dirty="0"/>
                 <a:t>Unlabeled dataset</a:t>
               </a:r>
-              <a:endParaRPr lang="zh-CN" altLang="en-US" sz="1200" b="1" i="1" dirty="0"/>
+              <a:endParaRPr lang="zh-CN" altLang="en-US" sz="1000" b="1" i="1" dirty="0"/>
             </a:p>
           </p:txBody>
         </p:sp>
@@ -6436,7 +6436,7 @@
             <a:lstStyle/>
             <a:p>
               <a:pPr algn="ctr"/>
-              <a:endParaRPr lang="zh-CN" altLang="en-US" sz="900" i="1"/>
+              <a:endParaRPr lang="zh-CN" altLang="en-US" sz="1000" i="1"/>
             </a:p>
           </p:txBody>
         </p:sp>
@@ -6515,7 +6515,7 @@
         </p:blipFill>
         <p:spPr>
           <a:xfrm>
-            <a:off x="2396281" y="3377518"/>
+            <a:off x="2396281" y="3342682"/>
             <a:ext cx="576000" cy="576000"/>
           </a:xfrm>
           <a:prstGeom prst="rect">
@@ -6538,7 +6538,7 @@
         <p:spPr>
           <a:xfrm>
             <a:off x="5325695" y="4401369"/>
-            <a:ext cx="720000" cy="432000"/>
+            <a:ext cx="720000" cy="360000"/>
           </a:xfrm>
           <a:prstGeom prst="roundRect">
             <a:avLst/>
@@ -6571,7 +6571,7 @@
           <a:p>
             <a:pPr algn="ctr"/>
             <a:r>
-              <a:rPr lang="en-US" altLang="zh-CN" sz="1200" b="1" i="1" dirty="0"/>
+              <a:rPr lang="en-US" altLang="zh-CN" sz="1000" b="1" i="1" dirty="0"/>
               <a:t>[5,9,0…]</a:t>
             </a:r>
           </a:p>
@@ -6592,7 +6592,7 @@
         <p:spPr>
           <a:xfrm>
             <a:off x="5325695" y="4885675"/>
-            <a:ext cx="720000" cy="432000"/>
+            <a:ext cx="720000" cy="360000"/>
           </a:xfrm>
           <a:prstGeom prst="roundRect">
             <a:avLst/>
@@ -6625,7 +6625,7 @@
           <a:p>
             <a:pPr algn="ctr"/>
             <a:r>
-              <a:rPr lang="en-US" altLang="zh-CN" sz="1200" b="1" i="1" dirty="0"/>
+              <a:rPr lang="en-US" altLang="zh-CN" sz="1000" b="1" i="1" dirty="0"/>
               <a:t>[7,2,8…]</a:t>
             </a:r>
           </a:p>
@@ -6646,7 +6646,7 @@
         <p:spPr>
           <a:xfrm>
             <a:off x="5316866" y="3223819"/>
-            <a:ext cx="720000" cy="432000"/>
+            <a:ext cx="720000" cy="360000"/>
           </a:xfrm>
           <a:prstGeom prst="roundRect">
             <a:avLst/>
@@ -6679,7 +6679,7 @@
           <a:p>
             <a:pPr algn="ctr"/>
             <a:r>
-              <a:rPr lang="en-US" altLang="zh-CN" sz="1200" b="1" i="1" dirty="0"/>
+              <a:rPr lang="en-US" altLang="zh-CN" sz="1000" b="1" i="1" dirty="0"/>
               <a:t>[0,4,5…]</a:t>
             </a:r>
           </a:p>
@@ -6700,7 +6700,7 @@
         <p:spPr>
           <a:xfrm>
             <a:off x="5318812" y="3704670"/>
-            <a:ext cx="720000" cy="432000"/>
+            <a:ext cx="720000" cy="360000"/>
           </a:xfrm>
           <a:prstGeom prst="roundRect">
             <a:avLst/>
@@ -6733,7 +6733,7 @@
           <a:p>
             <a:pPr algn="ctr"/>
             <a:r>
-              <a:rPr lang="en-US" altLang="zh-CN" sz="1200" b="1" i="1" dirty="0"/>
+              <a:rPr lang="en-US" altLang="zh-CN" sz="1000" b="1" i="1" dirty="0"/>
               <a:t>[2,7,3…]</a:t>
             </a:r>
           </a:p>
@@ -6758,7 +6758,7 @@
         <p:spPr>
           <a:xfrm rot="10800000" flipV="1">
             <a:off x="4525669" y="2751609"/>
-            <a:ext cx="698892" cy="1972304"/>
+            <a:ext cx="698892" cy="1937468"/>
           </a:xfrm>
           <a:prstGeom prst="bentConnector3">
             <a:avLst>
@@ -6804,7 +6804,7 @@
         <p:spPr>
           <a:xfrm rot="10800000" flipV="1">
             <a:off x="4525669" y="2751609"/>
-            <a:ext cx="698892" cy="768702"/>
+            <a:ext cx="698892" cy="733866"/>
           </a:xfrm>
           <a:prstGeom prst="bentConnector3">
             <a:avLst>
@@ -6846,7 +6846,7 @@
         <p:spPr>
           <a:xfrm>
             <a:off x="6961857" y="4409832"/>
-            <a:ext cx="720000" cy="432000"/>
+            <a:ext cx="720000" cy="360000"/>
           </a:xfrm>
           <a:prstGeom prst="roundRect">
             <a:avLst/>
@@ -6879,7 +6879,7 @@
           <a:p>
             <a:pPr algn="ctr"/>
             <a:r>
-              <a:rPr lang="en-US" altLang="zh-CN" sz="1200" b="1" i="1" dirty="0"/>
+              <a:rPr lang="en-US" altLang="zh-CN" sz="1000" b="1" i="1" dirty="0"/>
               <a:t>[2,7,3…]</a:t>
             </a:r>
           </a:p>
@@ -6900,7 +6900,7 @@
         <p:spPr>
           <a:xfrm>
             <a:off x="5226866" y="3141602"/>
-            <a:ext cx="900000" cy="1043919"/>
+            <a:ext cx="900000" cy="971663"/>
           </a:xfrm>
           <a:prstGeom prst="rect">
             <a:avLst/>
@@ -6934,7 +6934,7 @@
           <a:lstStyle/>
           <a:p>
             <a:pPr algn="ctr"/>
-            <a:endParaRPr lang="zh-CN" altLang="en-US" sz="900" i="1"/>
+            <a:endParaRPr lang="zh-CN" altLang="en-US" sz="1000" i="1"/>
           </a:p>
         </p:txBody>
       </p:sp>
@@ -6953,7 +6953,7 @@
         <p:spPr>
           <a:xfrm>
             <a:off x="5235016" y="4349062"/>
-            <a:ext cx="900000" cy="1027035"/>
+            <a:ext cx="900000" cy="972000"/>
           </a:xfrm>
           <a:prstGeom prst="rect">
             <a:avLst/>
@@ -6987,7 +6987,7 @@
           <a:lstStyle/>
           <a:p>
             <a:pPr algn="ctr"/>
-            <a:endParaRPr lang="zh-CN" altLang="en-US" sz="900" i="1"/>
+            <a:endParaRPr lang="zh-CN" altLang="en-US" sz="1000" i="1"/>
           </a:p>
         </p:txBody>
       </p:sp>
@@ -7006,7 +7006,7 @@
         <p:spPr>
           <a:xfrm>
             <a:off x="7836056" y="3459005"/>
-            <a:ext cx="1077176" cy="461665"/>
+            <a:ext cx="1077176" cy="400110"/>
           </a:xfrm>
           <a:prstGeom prst="rect">
             <a:avLst/>
@@ -7021,11 +7021,11 @@
           <a:p>
             <a:pPr algn="ctr"/>
             <a:r>
-              <a:rPr lang="en-US" altLang="zh-CN" sz="1200" b="1" dirty="0"/>
+              <a:rPr lang="en-US" altLang="zh-CN" sz="1000" b="1" dirty="0"/>
               <a:t>Identified as </a:t>
             </a:r>
             <a:r>
-              <a:rPr lang="en-US" altLang="zh-CN" sz="1200" b="1" i="1" dirty="0">
+              <a:rPr lang="en-US" altLang="zh-CN" sz="1000" b="1" i="1" dirty="0">
                 <a:solidFill>
                   <a:schemeClr val="accent6"/>
                 </a:solidFill>
@@ -7050,7 +7050,7 @@
         <p:spPr>
           <a:xfrm>
             <a:off x="7754209" y="4594385"/>
-            <a:ext cx="1240871" cy="461665"/>
+            <a:ext cx="1240871" cy="400110"/>
           </a:xfrm>
           <a:prstGeom prst="rect">
             <a:avLst/>
@@ -7065,11 +7065,11 @@
           <a:p>
             <a:pPr algn="ctr"/>
             <a:r>
-              <a:rPr lang="en-US" altLang="zh-CN" sz="1200" b="1" dirty="0"/>
+              <a:rPr lang="en-US" altLang="zh-CN" sz="1000" b="1" dirty="0"/>
               <a:t>Identified as </a:t>
             </a:r>
             <a:r>
-              <a:rPr lang="en-US" altLang="zh-CN" sz="1200" b="1" i="1" dirty="0">
+              <a:rPr lang="en-US" altLang="zh-CN" sz="1000" b="1" i="1" dirty="0">
                 <a:solidFill>
                   <a:srgbClr val="FF0000"/>
                 </a:solidFill>
@@ -7094,7 +7094,7 @@
         <p:spPr>
           <a:xfrm>
             <a:off x="5008037" y="3142379"/>
-            <a:ext cx="180000" cy="1043142"/>
+            <a:ext cx="153128" cy="970886"/>
           </a:xfrm>
           <a:prstGeom prst="leftBrace">
             <a:avLst/>
@@ -7138,7 +7138,7 @@
         <p:spPr>
           <a:xfrm>
             <a:off x="4999449" y="4349062"/>
-            <a:ext cx="180000" cy="1044000"/>
+            <a:ext cx="160367" cy="968479"/>
           </a:xfrm>
           <a:prstGeom prst="leftBrace">
             <a:avLst/>
@@ -7184,9 +7184,9 @@
           <p:nvPr/>
         </p:nvCxnSpPr>
         <p:spPr>
-          <a:xfrm>
-            <a:off x="4525669" y="4869120"/>
-            <a:ext cx="473780" cy="1942"/>
+          <a:xfrm flipV="1">
+            <a:off x="4525669" y="4833302"/>
+            <a:ext cx="473780" cy="982"/>
           </a:xfrm>
           <a:prstGeom prst="straightConnector1">
             <a:avLst/>
@@ -7228,8 +7228,8 @@
         </p:nvCxnSpPr>
         <p:spPr>
           <a:xfrm flipV="1">
-            <a:off x="4525669" y="3663950"/>
-            <a:ext cx="482368" cy="1568"/>
+            <a:off x="4525669" y="3627822"/>
+            <a:ext cx="482368" cy="2860"/>
           </a:xfrm>
           <a:prstGeom prst="straightConnector1">
             <a:avLst/>
@@ -7268,7 +7268,7 @@
         <p:spPr>
           <a:xfrm>
             <a:off x="6961857" y="4884116"/>
-            <a:ext cx="720000" cy="432000"/>
+            <a:ext cx="720000" cy="360000"/>
           </a:xfrm>
           <a:prstGeom prst="roundRect">
             <a:avLst/>
@@ -7301,7 +7301,7 @@
           <a:p>
             <a:pPr algn="ctr"/>
             <a:r>
-              <a:rPr lang="en-US" altLang="zh-CN" sz="1200" b="1" i="1" dirty="0"/>
+              <a:rPr lang="en-US" altLang="zh-CN" sz="1000" b="1" i="1" dirty="0"/>
               <a:t>[7,2,8…]</a:t>
             </a:r>
           </a:p>
@@ -7322,7 +7322,7 @@
         <p:spPr>
           <a:xfrm>
             <a:off x="6961857" y="3214294"/>
-            <a:ext cx="720000" cy="432000"/>
+            <a:ext cx="720000" cy="360000"/>
           </a:xfrm>
           <a:prstGeom prst="roundRect">
             <a:avLst/>
@@ -7355,7 +7355,7 @@
           <a:p>
             <a:pPr algn="ctr"/>
             <a:r>
-              <a:rPr lang="en-US" altLang="zh-CN" sz="1200" b="1" i="1" dirty="0"/>
+              <a:rPr lang="en-US" altLang="zh-CN" sz="1000" b="1" i="1" dirty="0"/>
               <a:t>[2,7,3…]</a:t>
             </a:r>
           </a:p>
@@ -7376,7 +7376,7 @@
         <p:spPr>
           <a:xfrm>
             <a:off x="6961857" y="3705258"/>
-            <a:ext cx="720000" cy="432000"/>
+            <a:ext cx="720000" cy="360000"/>
           </a:xfrm>
           <a:prstGeom prst="roundRect">
             <a:avLst/>
@@ -7409,7 +7409,7 @@
           <a:p>
             <a:pPr algn="ctr"/>
             <a:r>
-              <a:rPr lang="en-US" altLang="zh-CN" sz="1200" b="1" i="1" dirty="0"/>
+              <a:rPr lang="en-US" altLang="zh-CN" sz="1000" b="1" i="1" dirty="0"/>
               <a:t>[2,7,3…]</a:t>
             </a:r>
           </a:p>
@@ -7433,7 +7433,7 @@
         </p:nvCxnSpPr>
         <p:spPr>
           <a:xfrm flipV="1">
-            <a:off x="6045695" y="5100116"/>
+            <a:off x="6045695" y="5064116"/>
             <a:ext cx="916162" cy="1559"/>
           </a:xfrm>
           <a:prstGeom prst="straightConnector1">
@@ -7476,7 +7476,7 @@
         </p:nvCxnSpPr>
         <p:spPr>
           <a:xfrm>
-            <a:off x="6038812" y="3920670"/>
+            <a:off x="6038812" y="3884670"/>
             <a:ext cx="923045" cy="588"/>
           </a:xfrm>
           <a:prstGeom prst="straightConnector1">
@@ -7516,7 +7516,7 @@
         <p:spPr>
           <a:xfrm>
             <a:off x="6871314" y="3133859"/>
-            <a:ext cx="900000" cy="1043919"/>
+            <a:ext cx="900000" cy="972000"/>
           </a:xfrm>
           <a:prstGeom prst="rect">
             <a:avLst/>
@@ -7550,7 +7550,7 @@
           <a:lstStyle/>
           <a:p>
             <a:pPr algn="ctr"/>
-            <a:endParaRPr lang="zh-CN" altLang="en-US" sz="900" i="1"/>
+            <a:endParaRPr lang="zh-CN" altLang="en-US" sz="1000" i="1"/>
           </a:p>
         </p:txBody>
       </p:sp>
@@ -7569,7 +7569,7 @@
         <p:spPr>
           <a:xfrm>
             <a:off x="6871314" y="4349143"/>
-            <a:ext cx="900000" cy="1043919"/>
+            <a:ext cx="900000" cy="972000"/>
           </a:xfrm>
           <a:prstGeom prst="rect">
             <a:avLst/>
@@ -7603,7 +7603,7 @@
           <a:lstStyle/>
           <a:p>
             <a:pPr algn="ctr"/>
-            <a:endParaRPr lang="zh-CN" altLang="en-US" sz="900" i="1"/>
+            <a:endParaRPr lang="zh-CN" altLang="en-US" sz="1000" i="1"/>
           </a:p>
         </p:txBody>
       </p:sp>
@@ -7625,7 +7625,7 @@
         </p:nvCxnSpPr>
         <p:spPr>
           <a:xfrm>
-            <a:off x="2972281" y="3665518"/>
+            <a:off x="2972281" y="3630682"/>
             <a:ext cx="1013388" cy="0"/>
           </a:xfrm>
           <a:prstGeom prst="straightConnector1">
@@ -7672,7 +7672,7 @@
         </p:nvCxnSpPr>
         <p:spPr>
           <a:xfrm flipV="1">
-            <a:off x="2972281" y="4869120"/>
+            <a:off x="2972281" y="4834284"/>
             <a:ext cx="1013388" cy="1287"/>
           </a:xfrm>
           <a:prstGeom prst="straightConnector1">
@@ -7769,10 +7769,10 @@
             <a:p>
               <a:pPr algn="ctr"/>
               <a:r>
-                <a:rPr lang="en-US" altLang="zh-CN" sz="1200" b="1" i="1" dirty="0"/>
+                <a:rPr lang="en-US" altLang="zh-CN" sz="1000" b="1" i="1" dirty="0"/>
                 <a:t>Unlabeled dataset</a:t>
               </a:r>
-              <a:endParaRPr lang="zh-CN" altLang="en-US" sz="1200" b="1" i="1" dirty="0"/>
+              <a:endParaRPr lang="zh-CN" altLang="en-US" sz="1000" b="1" i="1" dirty="0"/>
             </a:p>
           </p:txBody>
         </p:sp>
@@ -7791,7 +7791,7 @@
           <p:spPr>
             <a:xfrm>
               <a:off x="8542901" y="2872227"/>
-              <a:ext cx="720000" cy="432000"/>
+              <a:ext cx="720000" cy="360000"/>
             </a:xfrm>
             <a:prstGeom prst="roundRect">
               <a:avLst/>
@@ -7824,7 +7824,7 @@
             <a:p>
               <a:pPr algn="ctr"/>
               <a:r>
-                <a:rPr lang="en-US" altLang="zh-CN" sz="1200" b="1" i="1" dirty="0"/>
+                <a:rPr lang="en-US" altLang="zh-CN" sz="1000" b="1" i="1" dirty="0"/>
                 <a:t>[0,4,5…]</a:t>
               </a:r>
             </a:p>
@@ -7879,7 +7879,7 @@
             <a:lstStyle/>
             <a:p>
               <a:pPr algn="ctr"/>
-              <a:endParaRPr lang="zh-CN" altLang="en-US" sz="900" i="1"/>
+              <a:endParaRPr lang="zh-CN" altLang="en-US" sz="1000" i="1"/>
             </a:p>
           </p:txBody>
         </p:sp>
@@ -7948,12 +7948,12 @@
         </p:nvCxnSpPr>
         <p:spPr>
           <a:xfrm flipV="1">
-            <a:off x="6036866" y="2648879"/>
+            <a:off x="6036866" y="2612879"/>
             <a:ext cx="1018867" cy="790940"/>
           </a:xfrm>
           <a:prstGeom prst="curvedConnector3">
             <a:avLst>
-              <a:gd name="adj1" fmla="val 42521"/>
+              <a:gd name="adj1" fmla="val 50000"/>
             </a:avLst>
           </a:prstGeom>
           <a:ln>
@@ -11057,8 +11057,8 @@
         </p:nvSpPr>
         <p:spPr>
           <a:xfrm>
-            <a:off x="2885093" y="2890991"/>
-            <a:ext cx="642904" cy="461665"/>
+            <a:off x="2924603" y="2970001"/>
+            <a:ext cx="642904" cy="400110"/>
           </a:xfrm>
           <a:prstGeom prst="rect">
             <a:avLst/>
@@ -11073,7 +11073,7 @@
           <a:p>
             <a:pPr algn="ctr"/>
             <a:r>
-              <a:rPr lang="en-US" altLang="zh-CN" sz="1200" b="1" i="1" dirty="0">
+              <a:rPr lang="en-US" altLang="zh-CN" sz="1000" b="1" i="1" dirty="0">
                 <a:solidFill>
                   <a:schemeClr val="accent6"/>
                 </a:solidFill>
@@ -11098,7 +11098,7 @@
         <p:spPr>
           <a:xfrm>
             <a:off x="2831126" y="4089654"/>
-            <a:ext cx="810680" cy="461665"/>
+            <a:ext cx="810680" cy="400110"/>
           </a:xfrm>
           <a:prstGeom prst="rect">
             <a:avLst/>
@@ -11113,18 +11113,13 @@
           <a:p>
             <a:pPr algn="ctr"/>
             <a:r>
-              <a:rPr lang="en-US" altLang="zh-CN" sz="1200" b="1" i="1">
+              <a:rPr lang="en-US" altLang="zh-CN" sz="1000" b="1" i="1" dirty="0">
                 <a:solidFill>
                   <a:srgbClr val="FF0000"/>
                 </a:solidFill>
               </a:rPr>
               <a:t>Byzantine Attacker</a:t>
             </a:r>
-            <a:endParaRPr lang="en-US" altLang="zh-CN" sz="1200" b="1" i="1" dirty="0">
-              <a:solidFill>
-                <a:srgbClr val="FF0000"/>
-              </a:solidFill>
-            </a:endParaRPr>
           </a:p>
         </p:txBody>
       </p:sp>
@@ -11143,7 +11138,7 @@
         <p:spPr>
           <a:xfrm>
             <a:off x="9196506" y="4766193"/>
-            <a:ext cx="1176864" cy="276999"/>
+            <a:ext cx="1176864" cy="246221"/>
           </a:xfrm>
           <a:prstGeom prst="rect">
             <a:avLst/>
@@ -11158,18 +11153,13 @@
           <a:p>
             <a:pPr algn="ctr"/>
             <a:r>
-              <a:rPr lang="en-US" altLang="zh-CN" sz="1200" b="1" i="1">
+              <a:rPr lang="en-US" altLang="zh-CN" sz="1000" b="1" i="1" dirty="0">
                 <a:solidFill>
                   <a:schemeClr val="accent1"/>
                 </a:solidFill>
               </a:rPr>
               <a:t>FL Server</a:t>
             </a:r>
-            <a:endParaRPr lang="en-US" altLang="zh-CN" sz="1200" b="1" i="1" dirty="0">
-              <a:solidFill>
-                <a:schemeClr val="accent1"/>
-              </a:solidFill>
-            </a:endParaRPr>
           </a:p>
         </p:txBody>
       </p:sp>
@@ -11188,7 +11178,7 @@
         <p:spPr>
           <a:xfrm>
             <a:off x="3250000" y="3355784"/>
-            <a:ext cx="390525" cy="307777"/>
+            <a:ext cx="390525" cy="276999"/>
           </a:xfrm>
           <a:prstGeom prst="rect">
             <a:avLst/>
@@ -11203,7 +11193,7 @@
           <a:p>
             <a:pPr algn="ctr"/>
             <a:r>
-              <a:rPr lang="zh-CN" altLang="en-US" sz="1400" dirty="0"/>
+              <a:rPr lang="zh-CN" altLang="en-US" sz="1200" dirty="0"/>
               <a:t>①</a:t>
             </a:r>
           </a:p>
@@ -11224,7 +11214,7 @@
         <p:spPr>
           <a:xfrm>
             <a:off x="4809708" y="2458835"/>
-            <a:ext cx="390525" cy="307777"/>
+            <a:ext cx="390525" cy="276999"/>
           </a:xfrm>
           <a:prstGeom prst="rect">
             <a:avLst/>
@@ -11239,7 +11229,7 @@
           <a:p>
             <a:pPr algn="ctr"/>
             <a:r>
-              <a:rPr lang="zh-CN" altLang="en-US" sz="1400" dirty="0"/>
+              <a:rPr lang="zh-CN" altLang="en-US" sz="1200" dirty="0"/>
               <a:t>②</a:t>
             </a:r>
           </a:p>
@@ -11260,7 +11250,7 @@
         <p:spPr>
           <a:xfrm>
             <a:off x="4520216" y="3607451"/>
-            <a:ext cx="390525" cy="307777"/>
+            <a:ext cx="390525" cy="276999"/>
           </a:xfrm>
           <a:prstGeom prst="rect">
             <a:avLst/>
@@ -11275,7 +11265,7 @@
           <a:p>
             <a:pPr algn="ctr"/>
             <a:r>
-              <a:rPr lang="zh-CN" altLang="en-US" sz="1400" dirty="0"/>
+              <a:rPr lang="zh-CN" altLang="en-US" sz="1200" dirty="0"/>
               <a:t>③</a:t>
             </a:r>
           </a:p>
@@ -11295,8 +11285,8 @@
         </p:nvSpPr>
         <p:spPr>
           <a:xfrm>
-            <a:off x="7707574" y="4349062"/>
-            <a:ext cx="390525" cy="307777"/>
+            <a:off x="7757057" y="4567548"/>
+            <a:ext cx="390525" cy="276999"/>
           </a:xfrm>
           <a:prstGeom prst="rect">
             <a:avLst/>
@@ -11311,7 +11301,7 @@
           <a:p>
             <a:pPr algn="ctr"/>
             <a:r>
-              <a:rPr lang="zh-CN" altLang="en-US" sz="1400" dirty="0"/>
+              <a:rPr lang="zh-CN" altLang="en-US" sz="1200" dirty="0"/>
               <a:t>④</a:t>
             </a:r>
           </a:p>
@@ -11332,7 +11322,7 @@
         <p:spPr>
           <a:xfrm>
             <a:off x="8883761" y="3867044"/>
-            <a:ext cx="1709094" cy="276999"/>
+            <a:ext cx="1709094" cy="246221"/>
           </a:xfrm>
           <a:prstGeom prst="rect">
             <a:avLst/>
@@ -11347,10 +11337,10 @@
           <a:p>
             <a:pPr algn="ctr"/>
             <a:r>
-              <a:rPr lang="en-US" altLang="zh-CN" sz="1200" b="1" dirty="0"/>
+              <a:rPr lang="en-US" altLang="zh-CN" sz="1000" b="1" dirty="0"/>
               <a:t>Global Model Update</a:t>
             </a:r>
-            <a:endParaRPr lang="zh-CN" altLang="en-US" sz="1200" b="1" dirty="0"/>
+            <a:endParaRPr lang="zh-CN" altLang="en-US" sz="1000" b="1" dirty="0"/>
           </a:p>
         </p:txBody>
       </p:sp>
@@ -11369,7 +11359,7 @@
         <p:spPr>
           <a:xfrm>
             <a:off x="3250000" y="4568073"/>
-            <a:ext cx="390525" cy="307777"/>
+            <a:ext cx="390525" cy="276999"/>
           </a:xfrm>
           <a:prstGeom prst="rect">
             <a:avLst/>
@@ -11384,7 +11374,7 @@
           <a:p>
             <a:pPr algn="ctr"/>
             <a:r>
-              <a:rPr lang="zh-CN" altLang="en-US" sz="1400" dirty="0"/>
+              <a:rPr lang="zh-CN" altLang="en-US" sz="1200" dirty="0"/>
               <a:t>①</a:t>
             </a:r>
           </a:p>
@@ -11405,7 +11395,7 @@
         <p:spPr>
           <a:xfrm>
             <a:off x="4529841" y="4818287"/>
-            <a:ext cx="390525" cy="307777"/>
+            <a:ext cx="390525" cy="276999"/>
           </a:xfrm>
           <a:prstGeom prst="rect">
             <a:avLst/>
@@ -11420,7 +11410,7 @@
           <a:p>
             <a:pPr algn="ctr"/>
             <a:r>
-              <a:rPr lang="zh-CN" altLang="en-US" sz="1400" dirty="0"/>
+              <a:rPr lang="zh-CN" altLang="en-US" sz="1200" dirty="0"/>
               <a:t>③</a:t>
             </a:r>
           </a:p>
@@ -11440,8 +11430,8 @@
         </p:nvSpPr>
         <p:spPr>
           <a:xfrm>
-            <a:off x="7707575" y="3124317"/>
-            <a:ext cx="390525" cy="307777"/>
+            <a:off x="7757056" y="3437784"/>
+            <a:ext cx="390525" cy="276999"/>
           </a:xfrm>
           <a:prstGeom prst="rect">
             <a:avLst/>
@@ -11456,7 +11446,7 @@
           <a:p>
             <a:pPr algn="ctr"/>
             <a:r>
-              <a:rPr lang="zh-CN" altLang="en-US" sz="1400" dirty="0"/>
+              <a:rPr lang="zh-CN" altLang="en-US" sz="1200" dirty="0"/>
               <a:t>④</a:t>
             </a:r>
           </a:p>
@@ -11476,8 +11466,8 @@
         </p:nvSpPr>
         <p:spPr>
           <a:xfrm>
-            <a:off x="8782992" y="3851839"/>
-            <a:ext cx="360000" cy="307777"/>
+            <a:off x="8806496" y="3846777"/>
+            <a:ext cx="360000" cy="276999"/>
           </a:xfrm>
           <a:prstGeom prst="rect">
             <a:avLst/>
@@ -11492,7 +11482,7 @@
           <a:p>
             <a:pPr algn="ctr"/>
             <a:r>
-              <a:rPr lang="zh-CN" altLang="en-US" sz="1400" dirty="0"/>
+              <a:rPr lang="zh-CN" altLang="en-US" sz="1200" dirty="0"/>
               <a:t>⑤</a:t>
             </a:r>
           </a:p>
@@ -11520,8 +11510,8 @@
         </p:blipFill>
         <p:spPr>
           <a:xfrm>
-            <a:off x="5830020" y="5065541"/>
-            <a:ext cx="288000" cy="288000"/>
+            <a:off x="5820248" y="5072748"/>
+            <a:ext cx="252000" cy="252000"/>
           </a:xfrm>
           <a:prstGeom prst="rect">
             <a:avLst/>
@@ -11551,7 +11541,7 @@
         <p:spPr>
           <a:xfrm>
             <a:off x="5830020" y="4579631"/>
-            <a:ext cx="288000" cy="288000"/>
+            <a:ext cx="252000" cy="252000"/>
           </a:xfrm>
           <a:prstGeom prst="rect">
             <a:avLst/>
@@ -11580,8 +11570,8 @@
         </p:blipFill>
         <p:spPr>
           <a:xfrm>
-            <a:off x="7466209" y="5087988"/>
-            <a:ext cx="288000" cy="288000"/>
+            <a:off x="7466209" y="5072748"/>
+            <a:ext cx="252000" cy="252000"/>
           </a:xfrm>
           <a:prstGeom prst="rect">
             <a:avLst/>
@@ -11619,7 +11609,7 @@
         </p:blipFill>
         <p:spPr>
           <a:xfrm>
-            <a:off x="2401733" y="2895169"/>
+            <a:off x="2401733" y="2879929"/>
             <a:ext cx="576000" cy="576000"/>
           </a:xfrm>
           <a:prstGeom prst="rect">
